--- a/_SLIDES/2020_DEEL1/H8-Arrays/6c_arrays in methoden_mutidim.pptx
+++ b/_SLIDES/2020_DEEL1/H8-Arrays/6c_arrays in methoden_mutidim.pptx
@@ -3587,11 +3587,7 @@
         <a:p>
           <a:r>
             <a:rPr lang="nl-BE" dirty="0"/>
-            <a:t>2 </a:t>
-          </a:r>
-          <a:r>
-            <a:rPr lang="nl-BE" dirty="0" err="1"/>
-            <a:t>mogelijkheiden</a:t>
+            <a:t>2 mogelijkheden</a:t>
           </a:r>
           <a:endParaRPr lang="en-US" dirty="0"/>
         </a:p>
@@ -4212,7 +4208,7 @@
           </a:r>
           <a:r>
             <a:rPr lang="en-US" dirty="0" err="1"/>
-            <a:t>meegeven</a:t>
+            <a:t>meegegeven</a:t>
           </a:r>
           <a:endParaRPr lang="en-US" dirty="0"/>
         </a:p>
@@ -5478,11 +5474,7 @@
           </a:pPr>
           <a:r>
             <a:rPr lang="nl-BE" sz="3100" kern="1200" dirty="0"/>
-            <a:t>2 </a:t>
-          </a:r>
-          <a:r>
-            <a:rPr lang="nl-BE" sz="3100" kern="1200" dirty="0" err="1"/>
-            <a:t>mogelijkheiden</a:t>
+            <a:t>2 mogelijkheden</a:t>
           </a:r>
           <a:endParaRPr lang="en-US" sz="3100" kern="1200" dirty="0"/>
         </a:p>
@@ -6337,7 +6329,7 @@
           </a:r>
           <a:r>
             <a:rPr lang="en-US" sz="2500" kern="1200" dirty="0" err="1"/>
-            <a:t>meegeven</a:t>
+            <a:t>meegegeven</a:t>
           </a:r>
           <a:endParaRPr lang="en-US" sz="2500" kern="1200" dirty="0"/>
         </a:p>
@@ -14382,7 +14374,7 @@
           <a:p>
             <a:fld id="{AAB1E9D1-C262-4CF5-AED2-7DBFF7C74527}" type="datetimeFigureOut">
               <a:rPr lang="nl-BE" smtClean="0"/>
-              <a:t>21/09/2020</a:t>
+              <a:t>16/10/2020</a:t>
             </a:fld>
             <a:endParaRPr lang="nl-BE"/>
           </a:p>
@@ -17061,7 +17053,7 @@
           <a:p>
             <a:fld id="{2C48B411-EF7A-418E-9C83-135FB1E4AB51}" type="datetime1">
               <a:rPr lang="nl-BE" smtClean="0"/>
-              <a:t>21/09/2020</a:t>
+              <a:t>16/10/2020</a:t>
             </a:fld>
             <a:endParaRPr lang="nl-BE"/>
           </a:p>
@@ -17357,7 +17349,7 @@
           <a:p>
             <a:fld id="{26F12901-EF62-43DD-A98D-ACEA83C2F2F9}" type="datetime1">
               <a:rPr lang="nl-BE" smtClean="0"/>
-              <a:t>21/09/2020</a:t>
+              <a:t>16/10/2020</a:t>
             </a:fld>
             <a:endParaRPr lang="nl-BE"/>
           </a:p>
@@ -17570,7 +17562,7 @@
           <a:p>
             <a:fld id="{9E47AE24-41B1-43A2-B3A4-2B95149E9C07}" type="datetime1">
               <a:rPr lang="nl-BE" smtClean="0"/>
-              <a:t>21/09/2020</a:t>
+              <a:t>16/10/2020</a:t>
             </a:fld>
             <a:endParaRPr lang="nl-BE"/>
           </a:p>
@@ -17803,7 +17795,7 @@
           <a:p>
             <a:fld id="{2E48E7A9-B9D2-45AA-8F3D-B29CF641C83C}" type="datetime1">
               <a:rPr lang="nl-BE" smtClean="0"/>
-              <a:t>21/09/2020</a:t>
+              <a:t>16/10/2020</a:t>
             </a:fld>
             <a:endParaRPr lang="nl-BE"/>
           </a:p>
@@ -18082,7 +18074,7 @@
           <a:p>
             <a:fld id="{853C72CD-04F8-457F-ABEF-A7F5782CD34A}" type="datetime1">
               <a:rPr lang="nl-BE" smtClean="0"/>
-              <a:t>21/09/2020</a:t>
+              <a:t>16/10/2020</a:t>
             </a:fld>
             <a:endParaRPr lang="nl-BE"/>
           </a:p>
@@ -18353,7 +18345,7 @@
           <a:p>
             <a:fld id="{89D4CF42-B39C-445E-A493-A63C607698A7}" type="datetime1">
               <a:rPr lang="nl-BE" smtClean="0"/>
-              <a:t>21/09/2020</a:t>
+              <a:t>16/10/2020</a:t>
             </a:fld>
             <a:endParaRPr lang="nl-BE"/>
           </a:p>
@@ -18771,7 +18763,7 @@
           <a:p>
             <a:fld id="{69904A85-E11B-4401-AA0C-321CE8A2B2EE}" type="datetime1">
               <a:rPr lang="nl-BE" smtClean="0"/>
-              <a:t>21/09/2020</a:t>
+              <a:t>16/10/2020</a:t>
             </a:fld>
             <a:endParaRPr lang="nl-BE"/>
           </a:p>
@@ -18916,7 +18908,7 @@
           <a:p>
             <a:fld id="{DBF02E16-70A4-44F3-B637-CFD01C8E7777}" type="datetime1">
               <a:rPr lang="nl-BE" smtClean="0"/>
-              <a:t>21/09/2020</a:t>
+              <a:t>16/10/2020</a:t>
             </a:fld>
             <a:endParaRPr lang="nl-BE"/>
           </a:p>
@@ -19032,7 +19024,7 @@
           <a:p>
             <a:fld id="{7ABB9EE2-4884-4261-A33D-3BD706E5B907}" type="datetime1">
               <a:rPr lang="nl-BE" smtClean="0"/>
-              <a:t>21/09/2020</a:t>
+              <a:t>16/10/2020</a:t>
             </a:fld>
             <a:endParaRPr lang="nl-BE"/>
           </a:p>
@@ -19348,7 +19340,7 @@
           <a:p>
             <a:fld id="{2DFCF66F-A373-4A11-8D16-C8430CD8FF54}" type="datetime1">
               <a:rPr lang="nl-BE" smtClean="0"/>
-              <a:t>21/09/2020</a:t>
+              <a:t>16/10/2020</a:t>
             </a:fld>
             <a:endParaRPr lang="nl-BE"/>
           </a:p>
@@ -19644,7 +19636,7 @@
           <a:p>
             <a:fld id="{34CF4759-95DF-4F40-B9B8-1D7CC694F3A3}" type="datetime1">
               <a:rPr lang="nl-BE" smtClean="0"/>
-              <a:t>21/09/2020</a:t>
+              <a:t>16/10/2020</a:t>
             </a:fld>
             <a:endParaRPr lang="nl-BE"/>
           </a:p>
@@ -19890,7 +19882,7 @@
           <a:p>
             <a:fld id="{29514259-349E-42A0-99A4-3C251DCCF1C9}" type="datetime1">
               <a:rPr lang="nl-BE" smtClean="0"/>
-              <a:t>21/09/2020</a:t>
+              <a:t>16/10/2020</a:t>
             </a:fld>
             <a:endParaRPr lang="nl-BE"/>
           </a:p>
@@ -24539,7 +24531,7 @@
             <p:ph idx="1"/>
             <p:extLst>
               <p:ext uri="{D42A27DB-BD31-4B8C-83A1-F6EECF244321}">
-                <p14:modId xmlns:p14="http://schemas.microsoft.com/office/powerpoint/2010/main" val="3590263538"/>
+                <p14:modId xmlns:p14="http://schemas.microsoft.com/office/powerpoint/2010/main" val="754968968"/>
               </p:ext>
             </p:extLst>
           </p:nvPr>
@@ -28272,7 +28264,7 @@
           <p:nvPr>
             <p:extLst>
               <p:ext uri="{D42A27DB-BD31-4B8C-83A1-F6EECF244321}">
-                <p14:modId xmlns:p14="http://schemas.microsoft.com/office/powerpoint/2010/main" val="6242341"/>
+                <p14:modId xmlns:p14="http://schemas.microsoft.com/office/powerpoint/2010/main" val="279331191"/>
               </p:ext>
             </p:extLst>
           </p:nvPr>
@@ -32294,20 +32286,9 @@
           <a:bodyPr/>
           <a:lstStyle/>
           <a:p>
-            <a:br>
+            <a:r>
               <a:rPr lang="nl-BE" dirty="0"/>
-            </a:br>
-            <a:r>
-              <a:rPr lang="nl-BE" dirty="0"/>
-              <a:t>Onze bestaande methoden kan je </a:t>
-            </a:r>
-            <a:r>
-              <a:rPr lang="nl-BE" dirty="0" err="1"/>
-              <a:t>huer</a:t>
-            </a:r>
-            <a:r>
-              <a:rPr lang="nl-BE" dirty="0"/>
-              <a:t> voor gebruiken</a:t>
+              <a:t>Onze bestaande methoden kan je hier voor gebruiken</a:t>
             </a:r>
           </a:p>
           <a:p>
@@ -32348,24 +32329,6 @@
           </a:bodyPr>
           <a:lstStyle/>
           <a:p>
-            <a:r>
-              <a:rPr lang="en-US" dirty="0">
-                <a:solidFill>
-                  <a:srgbClr val="0000FF"/>
-                </a:solidFill>
-                <a:latin typeface="Consolas" panose="020B0609020204030204" pitchFamily="49" charset="0"/>
-              </a:rPr>
-              <a:t>private</a:t>
-            </a:r>
-            <a:r>
-              <a:rPr lang="en-US" dirty="0">
-                <a:solidFill>
-                  <a:srgbClr val="000000"/>
-                </a:solidFill>
-                <a:latin typeface="Consolas" panose="020B0609020204030204" pitchFamily="49" charset="0"/>
-              </a:rPr>
-              <a:t> </a:t>
-            </a:r>
             <a:r>
               <a:rPr lang="en-US" dirty="0">
                 <a:solidFill>
@@ -36875,20 +36838,29 @@
             <a:r>
               <a:rPr lang="en-US" sz="1400" dirty="0">
                 <a:solidFill>
-                  <a:srgbClr val="000000"/>
-                </a:solidFill>
-                <a:latin typeface="Consolas" panose="020B0609020204030204" pitchFamily="49" charset="0"/>
-              </a:rPr>
-              <a:t>        </a:t>
+                  <a:srgbClr val="0000FF"/>
+                </a:solidFill>
+                <a:latin typeface="Consolas" panose="020B0609020204030204" pitchFamily="49" charset="0"/>
+              </a:rPr>
+              <a:t>        static</a:t>
             </a:r>
             <a:r>
               <a:rPr lang="en-US" sz="1400" dirty="0">
                 <a:solidFill>
+                  <a:srgbClr val="000000"/>
+                </a:solidFill>
+                <a:latin typeface="Consolas" panose="020B0609020204030204" pitchFamily="49" charset="0"/>
+              </a:rPr>
+              <a:t> </a:t>
+            </a:r>
+            <a:r>
+              <a:rPr lang="en-US" sz="1400" dirty="0">
+                <a:solidFill>
                   <a:srgbClr val="0000FF"/>
                 </a:solidFill>
                 <a:latin typeface="Consolas" panose="020B0609020204030204" pitchFamily="49" charset="0"/>
               </a:rPr>
-              <a:t>private</a:t>
+              <a:t>void</a:t>
             </a:r>
             <a:r>
               <a:rPr lang="en-US" sz="1400" dirty="0">
@@ -36900,61 +36872,25 @@
               <a:t> </a:t>
             </a:r>
             <a:r>
+              <a:rPr lang="en-US" sz="1400" dirty="0" err="1">
+                <a:solidFill>
+                  <a:srgbClr val="000000"/>
+                </a:solidFill>
+                <a:latin typeface="Consolas" panose="020B0609020204030204" pitchFamily="49" charset="0"/>
+              </a:rPr>
+              <a:t>DoubleValue</a:t>
+            </a:r>
+            <a:r>
               <a:rPr lang="en-US" sz="1400" dirty="0">
                 <a:solidFill>
-                  <a:srgbClr val="0000FF"/>
-                </a:solidFill>
-                <a:latin typeface="Consolas" panose="020B0609020204030204" pitchFamily="49" charset="0"/>
-              </a:rPr>
-              <a:t>static</a:t>
+                  <a:srgbClr val="000000"/>
+                </a:solidFill>
+                <a:latin typeface="Consolas" panose="020B0609020204030204" pitchFamily="49" charset="0"/>
+              </a:rPr>
+              <a:t>(</a:t>
             </a:r>
             <a:r>
               <a:rPr lang="en-US" sz="1400" dirty="0">
-                <a:solidFill>
-                  <a:srgbClr val="000000"/>
-                </a:solidFill>
-                <a:latin typeface="Consolas" panose="020B0609020204030204" pitchFamily="49" charset="0"/>
-              </a:rPr>
-              <a:t> </a:t>
-            </a:r>
-            <a:r>
-              <a:rPr lang="en-US" sz="1400" dirty="0">
-                <a:solidFill>
-                  <a:srgbClr val="0000FF"/>
-                </a:solidFill>
-                <a:latin typeface="Consolas" panose="020B0609020204030204" pitchFamily="49" charset="0"/>
-              </a:rPr>
-              <a:t>void</a:t>
-            </a:r>
-            <a:r>
-              <a:rPr lang="en-US" sz="1400" dirty="0">
-                <a:solidFill>
-                  <a:srgbClr val="000000"/>
-                </a:solidFill>
-                <a:latin typeface="Consolas" panose="020B0609020204030204" pitchFamily="49" charset="0"/>
-              </a:rPr>
-              <a:t> </a:t>
-            </a:r>
-            <a:r>
-              <a:rPr lang="en-US" sz="1400" dirty="0" err="1">
-                <a:solidFill>
-                  <a:srgbClr val="000000"/>
-                </a:solidFill>
-                <a:latin typeface="Consolas" panose="020B0609020204030204" pitchFamily="49" charset="0"/>
-              </a:rPr>
-              <a:t>DoubleValue</a:t>
-            </a:r>
-            <a:r>
-              <a:rPr lang="en-US" sz="1400" dirty="0">
-                <a:solidFill>
-                  <a:srgbClr val="000000"/>
-                </a:solidFill>
-                <a:latin typeface="Consolas" panose="020B0609020204030204" pitchFamily="49" charset="0"/>
-              </a:rPr>
-              <a:t>(</a:t>
-            </a:r>
-            <a:r>
-              <a:rPr lang="en-US" sz="1400" dirty="0" err="1">
                 <a:solidFill>
                   <a:srgbClr val="0000FF"/>
                 </a:solidFill>
@@ -37861,24 +37797,6 @@
                 </a:solidFill>
                 <a:latin typeface="Consolas" panose="020B0609020204030204" pitchFamily="49" charset="0"/>
               </a:rPr>
-              <a:t>private</a:t>
-            </a:r>
-            <a:r>
-              <a:rPr lang="en-US" sz="1800" dirty="0">
-                <a:solidFill>
-                  <a:srgbClr val="000000"/>
-                </a:solidFill>
-                <a:latin typeface="Consolas" panose="020B0609020204030204" pitchFamily="49" charset="0"/>
-              </a:rPr>
-              <a:t> </a:t>
-            </a:r>
-            <a:r>
-              <a:rPr lang="en-US" sz="1800" dirty="0">
-                <a:solidFill>
-                  <a:srgbClr val="0000FF"/>
-                </a:solidFill>
-                <a:latin typeface="Consolas" panose="020B0609020204030204" pitchFamily="49" charset="0"/>
-              </a:rPr>
               <a:t>static</a:t>
             </a:r>
             <a:r>
@@ -38005,25 +37923,7 @@
                 </a:solidFill>
                 <a:latin typeface="Consolas" panose="020B0609020204030204" pitchFamily="49" charset="0"/>
               </a:rPr>
-              <a:t>        private</a:t>
-            </a:r>
-            <a:r>
-              <a:rPr lang="en-US" dirty="0">
-                <a:solidFill>
-                  <a:srgbClr val="000000"/>
-                </a:solidFill>
-                <a:latin typeface="Consolas" panose="020B0609020204030204" pitchFamily="49" charset="0"/>
-              </a:rPr>
-              <a:t> </a:t>
-            </a:r>
-            <a:r>
-              <a:rPr lang="en-US" dirty="0">
-                <a:solidFill>
-                  <a:srgbClr val="0000FF"/>
-                </a:solidFill>
-                <a:latin typeface="Consolas" panose="020B0609020204030204" pitchFamily="49" charset="0"/>
-              </a:rPr>
-              <a:t>static</a:t>
+              <a:t>        static</a:t>
             </a:r>
             <a:r>
               <a:rPr lang="en-US" dirty="0">

--- a/_SLIDES/2020_DEEL1/H8-Arrays/6c_arrays in methoden_mutidim.pptx
+++ b/_SLIDES/2020_DEEL1/H8-Arrays/6c_arrays in methoden_mutidim.pptx
@@ -5,7 +5,7 @@
     <p:sldMasterId id="2147483660" r:id="rId1"/>
   </p:sldMasterIdLst>
   <p:notesMasterIdLst>
-    <p:notesMasterId r:id="rId47"/>
+    <p:notesMasterId r:id="rId48"/>
   </p:notesMasterIdLst>
   <p:sldIdLst>
     <p:sldId id="1983" r:id="rId2"/>
@@ -46,48 +46,49 @@
     <p:sldId id="976" r:id="rId37"/>
     <p:sldId id="975" r:id="rId38"/>
     <p:sldId id="1956" r:id="rId39"/>
-    <p:sldId id="1871" r:id="rId40"/>
-    <p:sldId id="1872" r:id="rId41"/>
-    <p:sldId id="950" r:id="rId42"/>
-    <p:sldId id="1978" r:id="rId43"/>
-    <p:sldId id="1979" r:id="rId44"/>
-    <p:sldId id="1969" r:id="rId45"/>
-    <p:sldId id="1970" r:id="rId46"/>
+    <p:sldId id="1989" r:id="rId40"/>
+    <p:sldId id="1871" r:id="rId41"/>
+    <p:sldId id="1872" r:id="rId42"/>
+    <p:sldId id="950" r:id="rId43"/>
+    <p:sldId id="1978" r:id="rId44"/>
+    <p:sldId id="1979" r:id="rId45"/>
+    <p:sldId id="1969" r:id="rId46"/>
+    <p:sldId id="1970" r:id="rId47"/>
   </p:sldIdLst>
   <p:sldSz cx="12192000" cy="6858000"/>
   <p:notesSz cx="6858000" cy="9144000"/>
   <p:embeddedFontLst>
     <p:embeddedFont>
       <p:font typeface="Archivo Narrow" panose="020B0506020202020B04" pitchFamily="34" charset="0"/>
-      <p:regular r:id="rId48"/>
-      <p:bold r:id="rId49"/>
-      <p:italic r:id="rId50"/>
+      <p:regular r:id="rId49"/>
+      <p:bold r:id="rId50"/>
+      <p:italic r:id="rId51"/>
     </p:embeddedFont>
     <p:embeddedFont>
       <p:font typeface="Blogger Sans" panose="02000506030000020004" pitchFamily="50" charset="0"/>
-      <p:regular r:id="rId51"/>
-      <p:bold r:id="rId52"/>
+      <p:regular r:id="rId52"/>
+      <p:bold r:id="rId53"/>
     </p:embeddedFont>
     <p:embeddedFont>
       <p:font typeface="Calibri" panose="020F0502020204030204" pitchFamily="34" charset="0"/>
-      <p:regular r:id="rId53"/>
-      <p:bold r:id="rId54"/>
-      <p:italic r:id="rId55"/>
-      <p:boldItalic r:id="rId56"/>
+      <p:regular r:id="rId54"/>
+      <p:bold r:id="rId55"/>
+      <p:italic r:id="rId56"/>
+      <p:boldItalic r:id="rId57"/>
     </p:embeddedFont>
     <p:embeddedFont>
       <p:font typeface="Consolas" panose="020B0609020204030204" pitchFamily="49" charset="0"/>
-      <p:regular r:id="rId57"/>
-      <p:bold r:id="rId58"/>
-      <p:italic r:id="rId59"/>
-      <p:boldItalic r:id="rId60"/>
+      <p:regular r:id="rId58"/>
+      <p:bold r:id="rId59"/>
+      <p:italic r:id="rId60"/>
+      <p:boldItalic r:id="rId61"/>
     </p:embeddedFont>
     <p:embeddedFont>
       <p:font typeface="Times" panose="02020603050405020304" pitchFamily="18" charset="0"/>
-      <p:regular r:id="rId61"/>
-      <p:bold r:id="rId62"/>
-      <p:italic r:id="rId63"/>
-      <p:boldItalic r:id="rId64"/>
+      <p:regular r:id="rId62"/>
+      <p:bold r:id="rId63"/>
+      <p:italic r:id="rId64"/>
+      <p:boldItalic r:id="rId65"/>
     </p:embeddedFont>
   </p:embeddedFontLst>
   <p:defaultTextStyle>
@@ -14374,7 +14375,7 @@
           <a:p>
             <a:fld id="{AAB1E9D1-C262-4CF5-AED2-7DBFF7C74527}" type="datetimeFigureOut">
               <a:rPr lang="nl-BE" smtClean="0"/>
-              <a:t>16/10/2020</a:t>
+              <a:t>19/10/2020</a:t>
             </a:fld>
             <a:endParaRPr lang="nl-BE"/>
           </a:p>
@@ -17053,7 +17054,7 @@
           <a:p>
             <a:fld id="{2C48B411-EF7A-418E-9C83-135FB1E4AB51}" type="datetime1">
               <a:rPr lang="nl-BE" smtClean="0"/>
-              <a:t>16/10/2020</a:t>
+              <a:t>19/10/2020</a:t>
             </a:fld>
             <a:endParaRPr lang="nl-BE"/>
           </a:p>
@@ -17349,7 +17350,7 @@
           <a:p>
             <a:fld id="{26F12901-EF62-43DD-A98D-ACEA83C2F2F9}" type="datetime1">
               <a:rPr lang="nl-BE" smtClean="0"/>
-              <a:t>16/10/2020</a:t>
+              <a:t>19/10/2020</a:t>
             </a:fld>
             <a:endParaRPr lang="nl-BE"/>
           </a:p>
@@ -17562,7 +17563,7 @@
           <a:p>
             <a:fld id="{9E47AE24-41B1-43A2-B3A4-2B95149E9C07}" type="datetime1">
               <a:rPr lang="nl-BE" smtClean="0"/>
-              <a:t>16/10/2020</a:t>
+              <a:t>19/10/2020</a:t>
             </a:fld>
             <a:endParaRPr lang="nl-BE"/>
           </a:p>
@@ -17795,7 +17796,7 @@
           <a:p>
             <a:fld id="{2E48E7A9-B9D2-45AA-8F3D-B29CF641C83C}" type="datetime1">
               <a:rPr lang="nl-BE" smtClean="0"/>
-              <a:t>16/10/2020</a:t>
+              <a:t>19/10/2020</a:t>
             </a:fld>
             <a:endParaRPr lang="nl-BE"/>
           </a:p>
@@ -18074,7 +18075,7 @@
           <a:p>
             <a:fld id="{853C72CD-04F8-457F-ABEF-A7F5782CD34A}" type="datetime1">
               <a:rPr lang="nl-BE" smtClean="0"/>
-              <a:t>16/10/2020</a:t>
+              <a:t>19/10/2020</a:t>
             </a:fld>
             <a:endParaRPr lang="nl-BE"/>
           </a:p>
@@ -18345,7 +18346,7 @@
           <a:p>
             <a:fld id="{89D4CF42-B39C-445E-A493-A63C607698A7}" type="datetime1">
               <a:rPr lang="nl-BE" smtClean="0"/>
-              <a:t>16/10/2020</a:t>
+              <a:t>19/10/2020</a:t>
             </a:fld>
             <a:endParaRPr lang="nl-BE"/>
           </a:p>
@@ -18763,7 +18764,7 @@
           <a:p>
             <a:fld id="{69904A85-E11B-4401-AA0C-321CE8A2B2EE}" type="datetime1">
               <a:rPr lang="nl-BE" smtClean="0"/>
-              <a:t>16/10/2020</a:t>
+              <a:t>19/10/2020</a:t>
             </a:fld>
             <a:endParaRPr lang="nl-BE"/>
           </a:p>
@@ -18908,7 +18909,7 @@
           <a:p>
             <a:fld id="{DBF02E16-70A4-44F3-B637-CFD01C8E7777}" type="datetime1">
               <a:rPr lang="nl-BE" smtClean="0"/>
-              <a:t>16/10/2020</a:t>
+              <a:t>19/10/2020</a:t>
             </a:fld>
             <a:endParaRPr lang="nl-BE"/>
           </a:p>
@@ -19024,7 +19025,7 @@
           <a:p>
             <a:fld id="{7ABB9EE2-4884-4261-A33D-3BD706E5B907}" type="datetime1">
               <a:rPr lang="nl-BE" smtClean="0"/>
-              <a:t>16/10/2020</a:t>
+              <a:t>19/10/2020</a:t>
             </a:fld>
             <a:endParaRPr lang="nl-BE"/>
           </a:p>
@@ -19340,7 +19341,7 @@
           <a:p>
             <a:fld id="{2DFCF66F-A373-4A11-8D16-C8430CD8FF54}" type="datetime1">
               <a:rPr lang="nl-BE" smtClean="0"/>
-              <a:t>16/10/2020</a:t>
+              <a:t>19/10/2020</a:t>
             </a:fld>
             <a:endParaRPr lang="nl-BE"/>
           </a:p>
@@ -19636,7 +19637,7 @@
           <a:p>
             <a:fld id="{34CF4759-95DF-4F40-B9B8-1D7CC694F3A3}" type="datetime1">
               <a:rPr lang="nl-BE" smtClean="0"/>
-              <a:t>16/10/2020</a:t>
+              <a:t>19/10/2020</a:t>
             </a:fld>
             <a:endParaRPr lang="nl-BE"/>
           </a:p>
@@ -19882,7 +19883,7 @@
           <a:p>
             <a:fld id="{29514259-349E-42A0-99A4-3C251DCCF1C9}" type="datetime1">
               <a:rPr lang="nl-BE" smtClean="0"/>
-              <a:t>16/10/2020</a:t>
+              <a:t>19/10/2020</a:t>
             </a:fld>
             <a:endParaRPr lang="nl-BE"/>
           </a:p>
@@ -27701,7 +27702,7 @@
           <a:p>
             <a:r>
               <a:rPr lang="en-IE" dirty="0"/>
-              <a:t>2-dimensioniale arrays</a:t>
+              <a:t>2-dimensionale arrays</a:t>
             </a:r>
           </a:p>
         </p:txBody>
@@ -32045,6 +32046,514 @@
 </file>
 
 <file path=ppt/slides/slide39.xml><?xml version="1.0" encoding="utf-8"?>
+<p:sld xmlns:a="http://schemas.openxmlformats.org/drawingml/2006/main" xmlns:r="http://schemas.openxmlformats.org/officeDocument/2006/relationships" xmlns:p="http://schemas.openxmlformats.org/presentationml/2006/main">
+  <p:cSld>
+    <p:spTree>
+      <p:nvGrpSpPr>
+        <p:cNvPr id="1" name=""/>
+        <p:cNvGrpSpPr/>
+        <p:nvPr/>
+      </p:nvGrpSpPr>
+      <p:grpSpPr>
+        <a:xfrm>
+          <a:off x="0" y="0"/>
+          <a:ext cx="0" cy="0"/>
+          <a:chOff x="0" y="0"/>
+          <a:chExt cx="0" cy="0"/>
+        </a:xfrm>
+      </p:grpSpPr>
+      <p:sp>
+        <p:nvSpPr>
+          <p:cNvPr id="2" name="Titel 1">
+            <a:extLst>
+              <a:ext uri="{FF2B5EF4-FFF2-40B4-BE49-F238E27FC236}">
+                <a16:creationId xmlns:a16="http://schemas.microsoft.com/office/drawing/2014/main" id="{DFF3FF32-2E99-45D2-8488-B77B67FF27B5}"/>
+              </a:ext>
+            </a:extLst>
+          </p:cNvPr>
+          <p:cNvSpPr>
+            <a:spLocks noGrp="1"/>
+          </p:cNvSpPr>
+          <p:nvPr>
+            <p:ph type="title"/>
+          </p:nvPr>
+        </p:nvSpPr>
+        <p:spPr/>
+        <p:txBody>
+          <a:bodyPr/>
+          <a:lstStyle/>
+          <a:p>
+            <a:endParaRPr lang="nl-BE"/>
+          </a:p>
+        </p:txBody>
+      </p:sp>
+      <p:sp>
+        <p:nvSpPr>
+          <p:cNvPr id="3" name="Tijdelijke aanduiding voor inhoud 2">
+            <a:extLst>
+              <a:ext uri="{FF2B5EF4-FFF2-40B4-BE49-F238E27FC236}">
+                <a16:creationId xmlns:a16="http://schemas.microsoft.com/office/drawing/2014/main" id="{C8C2615E-4120-498F-AD30-4FFD6E2025A6}"/>
+              </a:ext>
+            </a:extLst>
+          </p:cNvPr>
+          <p:cNvSpPr>
+            <a:spLocks noGrp="1"/>
+          </p:cNvSpPr>
+          <p:nvPr>
+            <p:ph idx="1"/>
+          </p:nvPr>
+        </p:nvSpPr>
+        <p:spPr/>
+        <p:txBody>
+          <a:bodyPr/>
+          <a:lstStyle/>
+          <a:p>
+            <a:endParaRPr lang="nl-BE"/>
+          </a:p>
+        </p:txBody>
+      </p:sp>
+      <p:sp>
+        <p:nvSpPr>
+          <p:cNvPr id="4" name="Tijdelijke aanduiding voor voettekst 3">
+            <a:extLst>
+              <a:ext uri="{FF2B5EF4-FFF2-40B4-BE49-F238E27FC236}">
+                <a16:creationId xmlns:a16="http://schemas.microsoft.com/office/drawing/2014/main" id="{5B711BE1-2EA3-4DF9-94F8-A286EB8CF3F6}"/>
+              </a:ext>
+            </a:extLst>
+          </p:cNvPr>
+          <p:cNvSpPr>
+            <a:spLocks noGrp="1"/>
+          </p:cNvSpPr>
+          <p:nvPr>
+            <p:ph type="ftr" sz="quarter" idx="11"/>
+          </p:nvPr>
+        </p:nvSpPr>
+        <p:spPr/>
+        <p:txBody>
+          <a:bodyPr/>
+          <a:lstStyle/>
+          <a:p>
+            <a:r>
+              <a:rPr lang="nl-BE"/>
+              <a:t>Zie Scherp</a:t>
+            </a:r>
+          </a:p>
+        </p:txBody>
+      </p:sp>
+      <p:sp>
+        <p:nvSpPr>
+          <p:cNvPr id="5" name="Tijdelijke aanduiding voor dianummer 4">
+            <a:extLst>
+              <a:ext uri="{FF2B5EF4-FFF2-40B4-BE49-F238E27FC236}">
+                <a16:creationId xmlns:a16="http://schemas.microsoft.com/office/drawing/2014/main" id="{918129EE-46D7-4CC9-BA49-5EB2F762AFD4}"/>
+              </a:ext>
+            </a:extLst>
+          </p:cNvPr>
+          <p:cNvSpPr>
+            <a:spLocks noGrp="1"/>
+          </p:cNvSpPr>
+          <p:nvPr>
+            <p:ph type="sldNum" sz="quarter" idx="12"/>
+          </p:nvPr>
+        </p:nvSpPr>
+        <p:spPr/>
+        <p:txBody>
+          <a:bodyPr/>
+          <a:lstStyle/>
+          <a:p>
+            <a:fld id="{26F5612F-804E-460E-88BF-7B183C058243}" type="slidenum">
+              <a:rPr lang="nl-BE" smtClean="0"/>
+              <a:t>39</a:t>
+            </a:fld>
+            <a:endParaRPr lang="nl-BE"/>
+          </a:p>
+        </p:txBody>
+      </p:sp>
+    </p:spTree>
+    <p:extLst>
+      <p:ext uri="{BB962C8B-B14F-4D97-AF65-F5344CB8AC3E}">
+        <p14:creationId xmlns:p14="http://schemas.microsoft.com/office/powerpoint/2010/main" val="1027549884"/>
+      </p:ext>
+    </p:extLst>
+  </p:cSld>
+  <p:clrMapOvr>
+    <a:masterClrMapping/>
+  </p:clrMapOvr>
+</p:sld>
+</file>
+
+<file path=ppt/slides/slide4.xml><?xml version="1.0" encoding="utf-8"?>
+<p:sld xmlns:a="http://schemas.openxmlformats.org/drawingml/2006/main" xmlns:r="http://schemas.openxmlformats.org/officeDocument/2006/relationships" xmlns:p="http://schemas.openxmlformats.org/presentationml/2006/main">
+  <p:cSld>
+    <p:spTree>
+      <p:nvGrpSpPr>
+        <p:cNvPr id="1" name=""/>
+        <p:cNvGrpSpPr/>
+        <p:nvPr/>
+      </p:nvGrpSpPr>
+      <p:grpSpPr>
+        <a:xfrm>
+          <a:off x="0" y="0"/>
+          <a:ext cx="0" cy="0"/>
+          <a:chOff x="0" y="0"/>
+          <a:chExt cx="0" cy="0"/>
+        </a:xfrm>
+      </p:grpSpPr>
+      <p:sp>
+        <p:nvSpPr>
+          <p:cNvPr id="2" name="Titel 1">
+            <a:extLst>
+              <a:ext uri="{FF2B5EF4-FFF2-40B4-BE49-F238E27FC236}">
+                <a16:creationId xmlns:a16="http://schemas.microsoft.com/office/drawing/2014/main" id="{5447662F-0790-41EC-AE23-9A9248C02EDF}"/>
+              </a:ext>
+            </a:extLst>
+          </p:cNvPr>
+          <p:cNvSpPr>
+            <a:spLocks noGrp="1"/>
+          </p:cNvSpPr>
+          <p:nvPr>
+            <p:ph type="title"/>
+          </p:nvPr>
+        </p:nvSpPr>
+        <p:spPr/>
+        <p:txBody>
+          <a:bodyPr/>
+          <a:lstStyle/>
+          <a:p>
+            <a:r>
+              <a:rPr lang="nl-BE" dirty="0"/>
+              <a:t>Voorbeeld</a:t>
+            </a:r>
+          </a:p>
+        </p:txBody>
+      </p:sp>
+      <p:sp>
+        <p:nvSpPr>
+          <p:cNvPr id="3" name="Tijdelijke aanduiding voor inhoud 2">
+            <a:extLst>
+              <a:ext uri="{FF2B5EF4-FFF2-40B4-BE49-F238E27FC236}">
+                <a16:creationId xmlns:a16="http://schemas.microsoft.com/office/drawing/2014/main" id="{8085DD84-BB6C-4BC9-B9EE-BDE49373E4A8}"/>
+              </a:ext>
+            </a:extLst>
+          </p:cNvPr>
+          <p:cNvSpPr>
+            <a:spLocks noGrp="1"/>
+          </p:cNvSpPr>
+          <p:nvPr>
+            <p:ph idx="1"/>
+          </p:nvPr>
+        </p:nvSpPr>
+        <p:spPr/>
+        <p:txBody>
+          <a:bodyPr/>
+          <a:lstStyle/>
+          <a:p>
+            <a:r>
+              <a:rPr lang="nl-BE" dirty="0"/>
+              <a:t>Onze bestaande methoden kan je hier voor gebruiken</a:t>
+            </a:r>
+          </a:p>
+          <a:p>
+            <a:endParaRPr lang="nl-BE" dirty="0"/>
+          </a:p>
+          <a:p>
+            <a:r>
+              <a:rPr lang="nl-BE" dirty="0"/>
+              <a:t>Stel, volgende verdubbelingsmethode: </a:t>
+            </a:r>
+          </a:p>
+        </p:txBody>
+      </p:sp>
+      <p:sp>
+        <p:nvSpPr>
+          <p:cNvPr id="4" name="Rechthoek 3">
+            <a:extLst>
+              <a:ext uri="{FF2B5EF4-FFF2-40B4-BE49-F238E27FC236}">
+                <a16:creationId xmlns:a16="http://schemas.microsoft.com/office/drawing/2014/main" id="{2C480019-9A9B-45FF-8049-8AE2D424E0C9}"/>
+              </a:ext>
+            </a:extLst>
+          </p:cNvPr>
+          <p:cNvSpPr/>
+          <p:nvPr/>
+        </p:nvSpPr>
+        <p:spPr>
+          <a:xfrm>
+            <a:off x="1098274" y="3699807"/>
+            <a:ext cx="11434969" cy="1477328"/>
+          </a:xfrm>
+          <a:prstGeom prst="rect">
+            <a:avLst/>
+          </a:prstGeom>
+        </p:spPr>
+        <p:txBody>
+          <a:bodyPr wrap="square">
+            <a:spAutoFit/>
+          </a:bodyPr>
+          <a:lstStyle/>
+          <a:p>
+            <a:r>
+              <a:rPr lang="en-US" dirty="0">
+                <a:solidFill>
+                  <a:srgbClr val="0000FF"/>
+                </a:solidFill>
+                <a:latin typeface="Consolas" panose="020B0609020204030204" pitchFamily="49" charset="0"/>
+              </a:rPr>
+              <a:t>static</a:t>
+            </a:r>
+            <a:r>
+              <a:rPr lang="en-US" dirty="0">
+                <a:solidFill>
+                  <a:srgbClr val="000000"/>
+                </a:solidFill>
+                <a:latin typeface="Consolas" panose="020B0609020204030204" pitchFamily="49" charset="0"/>
+              </a:rPr>
+              <a:t> </a:t>
+            </a:r>
+            <a:r>
+              <a:rPr lang="en-US" dirty="0">
+                <a:solidFill>
+                  <a:srgbClr val="0000FF"/>
+                </a:solidFill>
+                <a:latin typeface="Consolas" panose="020B0609020204030204" pitchFamily="49" charset="0"/>
+              </a:rPr>
+              <a:t>void</a:t>
+            </a:r>
+            <a:r>
+              <a:rPr lang="en-US" dirty="0">
+                <a:solidFill>
+                  <a:srgbClr val="000000"/>
+                </a:solidFill>
+                <a:latin typeface="Consolas" panose="020B0609020204030204" pitchFamily="49" charset="0"/>
+              </a:rPr>
+              <a:t> </a:t>
+            </a:r>
+            <a:r>
+              <a:rPr lang="en-US" dirty="0" err="1">
+                <a:solidFill>
+                  <a:srgbClr val="000000"/>
+                </a:solidFill>
+                <a:latin typeface="Consolas" panose="020B0609020204030204" pitchFamily="49" charset="0"/>
+              </a:rPr>
+              <a:t>DoubleValue</a:t>
+            </a:r>
+            <a:r>
+              <a:rPr lang="en-US" dirty="0">
+                <a:solidFill>
+                  <a:srgbClr val="000000"/>
+                </a:solidFill>
+                <a:latin typeface="Consolas" panose="020B0609020204030204" pitchFamily="49" charset="0"/>
+              </a:rPr>
+              <a:t>(</a:t>
+            </a:r>
+            <a:r>
+              <a:rPr lang="en-US" dirty="0">
+                <a:solidFill>
+                  <a:srgbClr val="0000FF"/>
+                </a:solidFill>
+                <a:latin typeface="Consolas" panose="020B0609020204030204" pitchFamily="49" charset="0"/>
+              </a:rPr>
+              <a:t>int</a:t>
+            </a:r>
+            <a:r>
+              <a:rPr lang="en-US" dirty="0">
+                <a:solidFill>
+                  <a:srgbClr val="000000"/>
+                </a:solidFill>
+                <a:latin typeface="Consolas" panose="020B0609020204030204" pitchFamily="49" charset="0"/>
+              </a:rPr>
+              <a:t> v)</a:t>
+            </a:r>
+          </a:p>
+          <a:p>
+            <a:r>
+              <a:rPr lang="nl-BE" dirty="0">
+                <a:solidFill>
+                  <a:srgbClr val="000000"/>
+                </a:solidFill>
+                <a:latin typeface="Consolas" panose="020B0609020204030204" pitchFamily="49" charset="0"/>
+              </a:rPr>
+              <a:t>{</a:t>
+            </a:r>
+          </a:p>
+          <a:p>
+            <a:r>
+              <a:rPr lang="nl-BE" dirty="0">
+                <a:solidFill>
+                  <a:srgbClr val="000000"/>
+                </a:solidFill>
+                <a:latin typeface="Consolas" panose="020B0609020204030204" pitchFamily="49" charset="0"/>
+              </a:rPr>
+              <a:t>    v *= 2;</a:t>
+            </a:r>
+          </a:p>
+          <a:p>
+            <a:r>
+              <a:rPr lang="en-US" dirty="0">
+                <a:solidFill>
+                  <a:srgbClr val="000000"/>
+                </a:solidFill>
+                <a:latin typeface="Consolas" panose="020B0609020204030204" pitchFamily="49" charset="0"/>
+              </a:rPr>
+              <a:t>    </a:t>
+            </a:r>
+            <a:r>
+              <a:rPr lang="en-US" dirty="0" err="1">
+                <a:solidFill>
+                  <a:srgbClr val="000000"/>
+                </a:solidFill>
+                <a:latin typeface="Consolas" panose="020B0609020204030204" pitchFamily="49" charset="0"/>
+              </a:rPr>
+              <a:t>Console.WriteLine</a:t>
+            </a:r>
+            <a:r>
+              <a:rPr lang="en-US" dirty="0">
+                <a:solidFill>
+                  <a:srgbClr val="000000"/>
+                </a:solidFill>
+                <a:latin typeface="Consolas" panose="020B0609020204030204" pitchFamily="49" charset="0"/>
+              </a:rPr>
+              <a:t>(</a:t>
+            </a:r>
+            <a:r>
+              <a:rPr lang="en-US" dirty="0">
+                <a:solidFill>
+                  <a:srgbClr val="A31515"/>
+                </a:solidFill>
+                <a:latin typeface="Consolas" panose="020B0609020204030204" pitchFamily="49" charset="0"/>
+              </a:rPr>
+              <a:t>$"\n\</a:t>
+            </a:r>
+            <a:r>
+              <a:rPr lang="en-US" dirty="0" err="1">
+                <a:solidFill>
+                  <a:srgbClr val="A31515"/>
+                </a:solidFill>
+                <a:latin typeface="Consolas" panose="020B0609020204030204" pitchFamily="49" charset="0"/>
+              </a:rPr>
+              <a:t>nValue</a:t>
+            </a:r>
+            <a:r>
+              <a:rPr lang="en-US" dirty="0">
+                <a:solidFill>
+                  <a:srgbClr val="A31515"/>
+                </a:solidFill>
+                <a:latin typeface="Consolas" panose="020B0609020204030204" pitchFamily="49" charset="0"/>
+              </a:rPr>
+              <a:t> of passed parameter doubled in method = </a:t>
+            </a:r>
+            <a:r>
+              <a:rPr lang="en-US" dirty="0">
+                <a:solidFill>
+                  <a:srgbClr val="000000"/>
+                </a:solidFill>
+                <a:latin typeface="Consolas" panose="020B0609020204030204" pitchFamily="49" charset="0"/>
+              </a:rPr>
+              <a:t>{v}</a:t>
+            </a:r>
+            <a:r>
+              <a:rPr lang="en-US" dirty="0">
+                <a:solidFill>
+                  <a:srgbClr val="A31515"/>
+                </a:solidFill>
+                <a:latin typeface="Consolas" panose="020B0609020204030204" pitchFamily="49" charset="0"/>
+              </a:rPr>
+              <a:t>\n"</a:t>
+            </a:r>
+            <a:r>
+              <a:rPr lang="en-US" dirty="0">
+                <a:solidFill>
+                  <a:srgbClr val="000000"/>
+                </a:solidFill>
+                <a:latin typeface="Consolas" panose="020B0609020204030204" pitchFamily="49" charset="0"/>
+              </a:rPr>
+              <a:t>);</a:t>
+            </a:r>
+          </a:p>
+          <a:p>
+            <a:r>
+              <a:rPr lang="nl-BE" dirty="0">
+                <a:solidFill>
+                  <a:srgbClr val="000000"/>
+                </a:solidFill>
+                <a:latin typeface="Consolas" panose="020B0609020204030204" pitchFamily="49" charset="0"/>
+              </a:rPr>
+              <a:t>}</a:t>
+            </a:r>
+            <a:endParaRPr lang="nl-BE" dirty="0"/>
+          </a:p>
+        </p:txBody>
+      </p:sp>
+      <p:sp>
+        <p:nvSpPr>
+          <p:cNvPr id="5" name="Tijdelijke aanduiding voor voettekst 4">
+            <a:extLst>
+              <a:ext uri="{FF2B5EF4-FFF2-40B4-BE49-F238E27FC236}">
+                <a16:creationId xmlns:a16="http://schemas.microsoft.com/office/drawing/2014/main" id="{F9A8A36E-8C0D-49C8-80E6-82A58C9F4AB5}"/>
+              </a:ext>
+            </a:extLst>
+          </p:cNvPr>
+          <p:cNvSpPr>
+            <a:spLocks noGrp="1"/>
+          </p:cNvSpPr>
+          <p:nvPr>
+            <p:ph type="ftr" sz="quarter" idx="11"/>
+          </p:nvPr>
+        </p:nvSpPr>
+        <p:spPr/>
+        <p:txBody>
+          <a:bodyPr/>
+          <a:lstStyle/>
+          <a:p>
+            <a:r>
+              <a:rPr lang="nl-BE"/>
+              <a:t>Zie Scherp</a:t>
+            </a:r>
+          </a:p>
+        </p:txBody>
+      </p:sp>
+      <p:sp>
+        <p:nvSpPr>
+          <p:cNvPr id="6" name="Tijdelijke aanduiding voor dianummer 5">
+            <a:extLst>
+              <a:ext uri="{FF2B5EF4-FFF2-40B4-BE49-F238E27FC236}">
+                <a16:creationId xmlns:a16="http://schemas.microsoft.com/office/drawing/2014/main" id="{5CF5B69A-583D-4A31-96B0-C8DF21DA54C7}"/>
+              </a:ext>
+            </a:extLst>
+          </p:cNvPr>
+          <p:cNvSpPr>
+            <a:spLocks noGrp="1"/>
+          </p:cNvSpPr>
+          <p:nvPr>
+            <p:ph type="sldNum" sz="quarter" idx="12"/>
+          </p:nvPr>
+        </p:nvSpPr>
+        <p:spPr/>
+        <p:txBody>
+          <a:bodyPr/>
+          <a:lstStyle/>
+          <a:p>
+            <a:fld id="{26F5612F-804E-460E-88BF-7B183C058243}" type="slidenum">
+              <a:rPr lang="nl-BE" smtClean="0"/>
+              <a:t>4</a:t>
+            </a:fld>
+            <a:endParaRPr lang="nl-BE"/>
+          </a:p>
+        </p:txBody>
+      </p:sp>
+    </p:spTree>
+    <p:extLst>
+      <p:ext uri="{BB962C8B-B14F-4D97-AF65-F5344CB8AC3E}">
+        <p14:creationId xmlns:p14="http://schemas.microsoft.com/office/powerpoint/2010/main" val="1603812657"/>
+      </p:ext>
+    </p:extLst>
+  </p:cSld>
+  <p:clrMapOvr>
+    <a:masterClrMapping/>
+  </p:clrMapOvr>
+</p:sld>
+</file>
+
+<file path=ppt/slides/slide40.xml><?xml version="1.0" encoding="utf-8"?>
 <p:sld xmlns:a="http://schemas.openxmlformats.org/drawingml/2006/main" xmlns:r="http://schemas.openxmlformats.org/officeDocument/2006/relationships" xmlns:p="http://schemas.openxmlformats.org/presentationml/2006/main" show="0">
   <p:cSld>
     <p:spTree>
@@ -32149,7 +32658,7 @@
               <a:pPr>
                 <a:defRPr/>
               </a:pPr>
-              <a:t>39</a:t>
+              <a:t>40</a:t>
             </a:fld>
             <a:endParaRPr lang="nl-NL" dirty="0"/>
           </a:p>
@@ -32220,378 +32729,7 @@
 </p:sld>
 </file>
 
-<file path=ppt/slides/slide4.xml><?xml version="1.0" encoding="utf-8"?>
-<p:sld xmlns:a="http://schemas.openxmlformats.org/drawingml/2006/main" xmlns:r="http://schemas.openxmlformats.org/officeDocument/2006/relationships" xmlns:p="http://schemas.openxmlformats.org/presentationml/2006/main">
-  <p:cSld>
-    <p:spTree>
-      <p:nvGrpSpPr>
-        <p:cNvPr id="1" name=""/>
-        <p:cNvGrpSpPr/>
-        <p:nvPr/>
-      </p:nvGrpSpPr>
-      <p:grpSpPr>
-        <a:xfrm>
-          <a:off x="0" y="0"/>
-          <a:ext cx="0" cy="0"/>
-          <a:chOff x="0" y="0"/>
-          <a:chExt cx="0" cy="0"/>
-        </a:xfrm>
-      </p:grpSpPr>
-      <p:sp>
-        <p:nvSpPr>
-          <p:cNvPr id="2" name="Titel 1">
-            <a:extLst>
-              <a:ext uri="{FF2B5EF4-FFF2-40B4-BE49-F238E27FC236}">
-                <a16:creationId xmlns:a16="http://schemas.microsoft.com/office/drawing/2014/main" id="{5447662F-0790-41EC-AE23-9A9248C02EDF}"/>
-              </a:ext>
-            </a:extLst>
-          </p:cNvPr>
-          <p:cNvSpPr>
-            <a:spLocks noGrp="1"/>
-          </p:cNvSpPr>
-          <p:nvPr>
-            <p:ph type="title"/>
-          </p:nvPr>
-        </p:nvSpPr>
-        <p:spPr/>
-        <p:txBody>
-          <a:bodyPr/>
-          <a:lstStyle/>
-          <a:p>
-            <a:r>
-              <a:rPr lang="nl-BE" dirty="0"/>
-              <a:t>Voorbeeld</a:t>
-            </a:r>
-          </a:p>
-        </p:txBody>
-      </p:sp>
-      <p:sp>
-        <p:nvSpPr>
-          <p:cNvPr id="3" name="Tijdelijke aanduiding voor inhoud 2">
-            <a:extLst>
-              <a:ext uri="{FF2B5EF4-FFF2-40B4-BE49-F238E27FC236}">
-                <a16:creationId xmlns:a16="http://schemas.microsoft.com/office/drawing/2014/main" id="{8085DD84-BB6C-4BC9-B9EE-BDE49373E4A8}"/>
-              </a:ext>
-            </a:extLst>
-          </p:cNvPr>
-          <p:cNvSpPr>
-            <a:spLocks noGrp="1"/>
-          </p:cNvSpPr>
-          <p:nvPr>
-            <p:ph idx="1"/>
-          </p:nvPr>
-        </p:nvSpPr>
-        <p:spPr/>
-        <p:txBody>
-          <a:bodyPr/>
-          <a:lstStyle/>
-          <a:p>
-            <a:r>
-              <a:rPr lang="nl-BE" dirty="0"/>
-              <a:t>Onze bestaande methoden kan je hier voor gebruiken</a:t>
-            </a:r>
-          </a:p>
-          <a:p>
-            <a:endParaRPr lang="nl-BE" dirty="0"/>
-          </a:p>
-          <a:p>
-            <a:r>
-              <a:rPr lang="nl-BE" dirty="0"/>
-              <a:t>Stel, volgende verdubbelingsmethode: </a:t>
-            </a:r>
-          </a:p>
-        </p:txBody>
-      </p:sp>
-      <p:sp>
-        <p:nvSpPr>
-          <p:cNvPr id="4" name="Rechthoek 3">
-            <a:extLst>
-              <a:ext uri="{FF2B5EF4-FFF2-40B4-BE49-F238E27FC236}">
-                <a16:creationId xmlns:a16="http://schemas.microsoft.com/office/drawing/2014/main" id="{2C480019-9A9B-45FF-8049-8AE2D424E0C9}"/>
-              </a:ext>
-            </a:extLst>
-          </p:cNvPr>
-          <p:cNvSpPr/>
-          <p:nvPr/>
-        </p:nvSpPr>
-        <p:spPr>
-          <a:xfrm>
-            <a:off x="1098274" y="3699807"/>
-            <a:ext cx="11434969" cy="1477328"/>
-          </a:xfrm>
-          <a:prstGeom prst="rect">
-            <a:avLst/>
-          </a:prstGeom>
-        </p:spPr>
-        <p:txBody>
-          <a:bodyPr wrap="square">
-            <a:spAutoFit/>
-          </a:bodyPr>
-          <a:lstStyle/>
-          <a:p>
-            <a:r>
-              <a:rPr lang="en-US" dirty="0">
-                <a:solidFill>
-                  <a:srgbClr val="0000FF"/>
-                </a:solidFill>
-                <a:latin typeface="Consolas" panose="020B0609020204030204" pitchFamily="49" charset="0"/>
-              </a:rPr>
-              <a:t>static</a:t>
-            </a:r>
-            <a:r>
-              <a:rPr lang="en-US" dirty="0">
-                <a:solidFill>
-                  <a:srgbClr val="000000"/>
-                </a:solidFill>
-                <a:latin typeface="Consolas" panose="020B0609020204030204" pitchFamily="49" charset="0"/>
-              </a:rPr>
-              <a:t> </a:t>
-            </a:r>
-            <a:r>
-              <a:rPr lang="en-US" dirty="0">
-                <a:solidFill>
-                  <a:srgbClr val="0000FF"/>
-                </a:solidFill>
-                <a:latin typeface="Consolas" panose="020B0609020204030204" pitchFamily="49" charset="0"/>
-              </a:rPr>
-              <a:t>void</a:t>
-            </a:r>
-            <a:r>
-              <a:rPr lang="en-US" dirty="0">
-                <a:solidFill>
-                  <a:srgbClr val="000000"/>
-                </a:solidFill>
-                <a:latin typeface="Consolas" panose="020B0609020204030204" pitchFamily="49" charset="0"/>
-              </a:rPr>
-              <a:t> </a:t>
-            </a:r>
-            <a:r>
-              <a:rPr lang="en-US" dirty="0" err="1">
-                <a:solidFill>
-                  <a:srgbClr val="000000"/>
-                </a:solidFill>
-                <a:latin typeface="Consolas" panose="020B0609020204030204" pitchFamily="49" charset="0"/>
-              </a:rPr>
-              <a:t>DoubleValue</a:t>
-            </a:r>
-            <a:r>
-              <a:rPr lang="en-US" dirty="0">
-                <a:solidFill>
-                  <a:srgbClr val="000000"/>
-                </a:solidFill>
-                <a:latin typeface="Consolas" panose="020B0609020204030204" pitchFamily="49" charset="0"/>
-              </a:rPr>
-              <a:t>(</a:t>
-            </a:r>
-            <a:r>
-              <a:rPr lang="en-US" dirty="0">
-                <a:solidFill>
-                  <a:srgbClr val="0000FF"/>
-                </a:solidFill>
-                <a:latin typeface="Consolas" panose="020B0609020204030204" pitchFamily="49" charset="0"/>
-              </a:rPr>
-              <a:t>int</a:t>
-            </a:r>
-            <a:r>
-              <a:rPr lang="en-US" dirty="0">
-                <a:solidFill>
-                  <a:srgbClr val="000000"/>
-                </a:solidFill>
-                <a:latin typeface="Consolas" panose="020B0609020204030204" pitchFamily="49" charset="0"/>
-              </a:rPr>
-              <a:t> v)</a:t>
-            </a:r>
-          </a:p>
-          <a:p>
-            <a:r>
-              <a:rPr lang="nl-BE" dirty="0">
-                <a:solidFill>
-                  <a:srgbClr val="000000"/>
-                </a:solidFill>
-                <a:latin typeface="Consolas" panose="020B0609020204030204" pitchFamily="49" charset="0"/>
-              </a:rPr>
-              <a:t>{</a:t>
-            </a:r>
-          </a:p>
-          <a:p>
-            <a:r>
-              <a:rPr lang="nl-BE" dirty="0">
-                <a:solidFill>
-                  <a:srgbClr val="000000"/>
-                </a:solidFill>
-                <a:latin typeface="Consolas" panose="020B0609020204030204" pitchFamily="49" charset="0"/>
-              </a:rPr>
-              <a:t>    v *= 2;</a:t>
-            </a:r>
-          </a:p>
-          <a:p>
-            <a:r>
-              <a:rPr lang="en-US" dirty="0">
-                <a:solidFill>
-                  <a:srgbClr val="000000"/>
-                </a:solidFill>
-                <a:latin typeface="Consolas" panose="020B0609020204030204" pitchFamily="49" charset="0"/>
-              </a:rPr>
-              <a:t>    </a:t>
-            </a:r>
-            <a:r>
-              <a:rPr lang="en-US" dirty="0" err="1">
-                <a:solidFill>
-                  <a:srgbClr val="000000"/>
-                </a:solidFill>
-                <a:latin typeface="Consolas" panose="020B0609020204030204" pitchFamily="49" charset="0"/>
-              </a:rPr>
-              <a:t>Console.WriteLine</a:t>
-            </a:r>
-            <a:r>
-              <a:rPr lang="en-US" dirty="0">
-                <a:solidFill>
-                  <a:srgbClr val="000000"/>
-                </a:solidFill>
-                <a:latin typeface="Consolas" panose="020B0609020204030204" pitchFamily="49" charset="0"/>
-              </a:rPr>
-              <a:t>(</a:t>
-            </a:r>
-            <a:r>
-              <a:rPr lang="en-US" dirty="0">
-                <a:solidFill>
-                  <a:srgbClr val="A31515"/>
-                </a:solidFill>
-                <a:latin typeface="Consolas" panose="020B0609020204030204" pitchFamily="49" charset="0"/>
-              </a:rPr>
-              <a:t>$"\n\</a:t>
-            </a:r>
-            <a:r>
-              <a:rPr lang="en-US" dirty="0" err="1">
-                <a:solidFill>
-                  <a:srgbClr val="A31515"/>
-                </a:solidFill>
-                <a:latin typeface="Consolas" panose="020B0609020204030204" pitchFamily="49" charset="0"/>
-              </a:rPr>
-              <a:t>nValue</a:t>
-            </a:r>
-            <a:r>
-              <a:rPr lang="en-US" dirty="0">
-                <a:solidFill>
-                  <a:srgbClr val="A31515"/>
-                </a:solidFill>
-                <a:latin typeface="Consolas" panose="020B0609020204030204" pitchFamily="49" charset="0"/>
-              </a:rPr>
-              <a:t> of passed parameter doubled in method = </a:t>
-            </a:r>
-            <a:r>
-              <a:rPr lang="en-US" dirty="0">
-                <a:solidFill>
-                  <a:srgbClr val="000000"/>
-                </a:solidFill>
-                <a:latin typeface="Consolas" panose="020B0609020204030204" pitchFamily="49" charset="0"/>
-              </a:rPr>
-              <a:t>{v}</a:t>
-            </a:r>
-            <a:r>
-              <a:rPr lang="en-US" dirty="0">
-                <a:solidFill>
-                  <a:srgbClr val="A31515"/>
-                </a:solidFill>
-                <a:latin typeface="Consolas" panose="020B0609020204030204" pitchFamily="49" charset="0"/>
-              </a:rPr>
-              <a:t>\n"</a:t>
-            </a:r>
-            <a:r>
-              <a:rPr lang="en-US" dirty="0">
-                <a:solidFill>
-                  <a:srgbClr val="000000"/>
-                </a:solidFill>
-                <a:latin typeface="Consolas" panose="020B0609020204030204" pitchFamily="49" charset="0"/>
-              </a:rPr>
-              <a:t>);</a:t>
-            </a:r>
-          </a:p>
-          <a:p>
-            <a:r>
-              <a:rPr lang="nl-BE" dirty="0">
-                <a:solidFill>
-                  <a:srgbClr val="000000"/>
-                </a:solidFill>
-                <a:latin typeface="Consolas" panose="020B0609020204030204" pitchFamily="49" charset="0"/>
-              </a:rPr>
-              <a:t>}</a:t>
-            </a:r>
-            <a:endParaRPr lang="nl-BE" dirty="0"/>
-          </a:p>
-        </p:txBody>
-      </p:sp>
-      <p:sp>
-        <p:nvSpPr>
-          <p:cNvPr id="5" name="Tijdelijke aanduiding voor voettekst 4">
-            <a:extLst>
-              <a:ext uri="{FF2B5EF4-FFF2-40B4-BE49-F238E27FC236}">
-                <a16:creationId xmlns:a16="http://schemas.microsoft.com/office/drawing/2014/main" id="{F9A8A36E-8C0D-49C8-80E6-82A58C9F4AB5}"/>
-              </a:ext>
-            </a:extLst>
-          </p:cNvPr>
-          <p:cNvSpPr>
-            <a:spLocks noGrp="1"/>
-          </p:cNvSpPr>
-          <p:nvPr>
-            <p:ph type="ftr" sz="quarter" idx="11"/>
-          </p:nvPr>
-        </p:nvSpPr>
-        <p:spPr/>
-        <p:txBody>
-          <a:bodyPr/>
-          <a:lstStyle/>
-          <a:p>
-            <a:r>
-              <a:rPr lang="nl-BE"/>
-              <a:t>Zie Scherp</a:t>
-            </a:r>
-          </a:p>
-        </p:txBody>
-      </p:sp>
-      <p:sp>
-        <p:nvSpPr>
-          <p:cNvPr id="6" name="Tijdelijke aanduiding voor dianummer 5">
-            <a:extLst>
-              <a:ext uri="{FF2B5EF4-FFF2-40B4-BE49-F238E27FC236}">
-                <a16:creationId xmlns:a16="http://schemas.microsoft.com/office/drawing/2014/main" id="{5CF5B69A-583D-4A31-96B0-C8DF21DA54C7}"/>
-              </a:ext>
-            </a:extLst>
-          </p:cNvPr>
-          <p:cNvSpPr>
-            <a:spLocks noGrp="1"/>
-          </p:cNvSpPr>
-          <p:nvPr>
-            <p:ph type="sldNum" sz="quarter" idx="12"/>
-          </p:nvPr>
-        </p:nvSpPr>
-        <p:spPr/>
-        <p:txBody>
-          <a:bodyPr/>
-          <a:lstStyle/>
-          <a:p>
-            <a:fld id="{26F5612F-804E-460E-88BF-7B183C058243}" type="slidenum">
-              <a:rPr lang="nl-BE" smtClean="0"/>
-              <a:t>4</a:t>
-            </a:fld>
-            <a:endParaRPr lang="nl-BE"/>
-          </a:p>
-        </p:txBody>
-      </p:sp>
-    </p:spTree>
-    <p:extLst>
-      <p:ext uri="{BB962C8B-B14F-4D97-AF65-F5344CB8AC3E}">
-        <p14:creationId xmlns:p14="http://schemas.microsoft.com/office/powerpoint/2010/main" val="1603812657"/>
-      </p:ext>
-    </p:extLst>
-  </p:cSld>
-  <p:clrMapOvr>
-    <a:masterClrMapping/>
-  </p:clrMapOvr>
-</p:sld>
-</file>
-
-<file path=ppt/slides/slide40.xml><?xml version="1.0" encoding="utf-8"?>
+<file path=ppt/slides/slide41.xml><?xml version="1.0" encoding="utf-8"?>
 <p:sld xmlns:a="http://schemas.openxmlformats.org/drawingml/2006/main" xmlns:r="http://schemas.openxmlformats.org/officeDocument/2006/relationships" xmlns:p="http://schemas.openxmlformats.org/presentationml/2006/main" show="0">
   <p:cSld>
     <p:spTree>
@@ -32695,7 +32833,7 @@
               <a:pPr>
                 <a:defRPr/>
               </a:pPr>
-              <a:t>40</a:t>
+              <a:t>41</a:t>
             </a:fld>
             <a:endParaRPr lang="nl-NL" dirty="0"/>
           </a:p>
@@ -32833,7 +32971,7 @@
 </p:sld>
 </file>
 
-<file path=ppt/slides/slide41.xml><?xml version="1.0" encoding="utf-8"?>
+<file path=ppt/slides/slide42.xml><?xml version="1.0" encoding="utf-8"?>
 <p:sld xmlns:a="http://schemas.openxmlformats.org/drawingml/2006/main" xmlns:r="http://schemas.openxmlformats.org/officeDocument/2006/relationships" xmlns:p="http://schemas.openxmlformats.org/presentationml/2006/main" show="0">
   <p:cSld>
     <p:spTree>
@@ -33193,7 +33331,7 @@
           <a:p>
             <a:fld id="{26F5612F-804E-460E-88BF-7B183C058243}" type="slidenum">
               <a:rPr lang="nl-BE" smtClean="0"/>
-              <a:t>41</a:t>
+              <a:t>42</a:t>
             </a:fld>
             <a:endParaRPr lang="nl-BE"/>
           </a:p>
@@ -33212,7 +33350,7 @@
 </p:sld>
 </file>
 
-<file path=ppt/slides/slide42.xml><?xml version="1.0" encoding="utf-8"?>
+<file path=ppt/slides/slide43.xml><?xml version="1.0" encoding="utf-8"?>
 <p:sld xmlns:a="http://schemas.openxmlformats.org/drawingml/2006/main" xmlns:r="http://schemas.openxmlformats.org/officeDocument/2006/relationships" xmlns:p="http://schemas.openxmlformats.org/presentationml/2006/main" show="0">
   <p:cSld>
     <p:spTree>
@@ -34186,7 +34324,7 @@
           <a:p>
             <a:fld id="{26F5612F-804E-460E-88BF-7B183C058243}" type="slidenum">
               <a:rPr lang="nl-BE" smtClean="0"/>
-              <a:t>42</a:t>
+              <a:t>43</a:t>
             </a:fld>
             <a:endParaRPr lang="nl-BE"/>
           </a:p>
@@ -34205,7 +34343,7 @@
 </p:sld>
 </file>
 
-<file path=ppt/slides/slide43.xml><?xml version="1.0" encoding="utf-8"?>
+<file path=ppt/slides/slide44.xml><?xml version="1.0" encoding="utf-8"?>
 <p:sld xmlns:a="http://schemas.openxmlformats.org/drawingml/2006/main" xmlns:r="http://schemas.openxmlformats.org/officeDocument/2006/relationships" xmlns:p="http://schemas.openxmlformats.org/presentationml/2006/main">
   <p:cSld>
     <p:spTree>
@@ -35507,7 +35645,7 @@
           <a:p>
             <a:fld id="{26F5612F-804E-460E-88BF-7B183C058243}" type="slidenum">
               <a:rPr lang="nl-BE" smtClean="0"/>
-              <a:t>43</a:t>
+              <a:t>44</a:t>
             </a:fld>
             <a:endParaRPr lang="nl-BE"/>
           </a:p>
@@ -35526,7 +35664,7 @@
 </p:sld>
 </file>
 
-<file path=ppt/slides/slide44.xml><?xml version="1.0" encoding="utf-8"?>
+<file path=ppt/slides/slide45.xml><?xml version="1.0" encoding="utf-8"?>
 <p:sld xmlns:a="http://schemas.openxmlformats.org/drawingml/2006/main" xmlns:r="http://schemas.openxmlformats.org/officeDocument/2006/relationships" xmlns:p="http://schemas.openxmlformats.org/presentationml/2006/main">
   <p:cSld>
     <p:bg>
@@ -35685,7 +35823,7 @@
                 </a:spcAft>
                 <a:defRPr/>
               </a:pPr>
-              <a:t>44</a:t>
+              <a:t>45</a:t>
             </a:fld>
             <a:endParaRPr lang="en-US" sz="1300">
               <a:solidFill>
@@ -35853,7 +35991,7 @@
 </p:sld>
 </file>
 
-<file path=ppt/slides/slide45.xml><?xml version="1.0" encoding="utf-8"?>
+<file path=ppt/slides/slide46.xml><?xml version="1.0" encoding="utf-8"?>
 <p:sld xmlns:a="http://schemas.openxmlformats.org/drawingml/2006/main" xmlns:r="http://schemas.openxmlformats.org/officeDocument/2006/relationships" xmlns:p="http://schemas.openxmlformats.org/presentationml/2006/main">
   <p:cSld>
     <p:spTree>
@@ -35976,7 +36114,7 @@
               <a:pPr>
                 <a:defRPr/>
               </a:pPr>
-              <a:t>45</a:t>
+              <a:t>46</a:t>
             </a:fld>
             <a:endParaRPr lang="nl-NL" dirty="0"/>
           </a:p>
